--- a/CHING JIAN/AppInventor/第一次使用App Inventor 2_單機版(離線版).pptx
+++ b/CHING JIAN/AppInventor/第一次使用App Inventor 2_單機版(離線版).pptx
@@ -302,7 +302,7 @@
             <a:fld id="{B61BEF0D-F0BB-DE4B-95CE-6DB70DBA9567}" type="datetimeFigureOut">
               <a:rPr lang="en-US" smtClean="0"/>
               <a:pPr/>
-              <a:t>12/18/2020</a:t>
+              <a:t>12/19/2020</a:t>
             </a:fld>
             <a:endParaRPr lang="en-US" dirty="0"/>
           </a:p>
@@ -571,7 +571,7 @@
             <a:fld id="{B61BEF0D-F0BB-DE4B-95CE-6DB70DBA9567}" type="datetimeFigureOut">
               <a:rPr lang="en-US" smtClean="0"/>
               <a:pPr/>
-              <a:t>12/18/2020</a:t>
+              <a:t>12/19/2020</a:t>
             </a:fld>
             <a:endParaRPr lang="en-US" dirty="0"/>
           </a:p>
@@ -804,7 +804,7 @@
             <a:fld id="{B61BEF0D-F0BB-DE4B-95CE-6DB70DBA9567}" type="datetimeFigureOut">
               <a:rPr lang="en-US" smtClean="0"/>
               <a:pPr/>
-              <a:t>12/18/2020</a:t>
+              <a:t>12/19/2020</a:t>
             </a:fld>
             <a:endParaRPr lang="en-US" dirty="0"/>
           </a:p>
@@ -1116,7 +1116,7 @@
             <a:fld id="{B61BEF0D-F0BB-DE4B-95CE-6DB70DBA9567}" type="datetimeFigureOut">
               <a:rPr lang="en-US" smtClean="0"/>
               <a:pPr/>
-              <a:t>12/18/2020</a:t>
+              <a:t>12/19/2020</a:t>
             </a:fld>
             <a:endParaRPr lang="en-US" dirty="0"/>
           </a:p>
@@ -1591,7 +1591,7 @@
             <a:fld id="{B61BEF0D-F0BB-DE4B-95CE-6DB70DBA9567}" type="datetimeFigureOut">
               <a:rPr lang="en-US" smtClean="0"/>
               <a:pPr/>
-              <a:t>12/18/2020</a:t>
+              <a:t>12/19/2020</a:t>
             </a:fld>
             <a:endParaRPr lang="en-US" dirty="0"/>
           </a:p>
@@ -2140,7 +2140,7 @@
             <a:fld id="{B61BEF0D-F0BB-DE4B-95CE-6DB70DBA9567}" type="datetimeFigureOut">
               <a:rPr lang="en-US" smtClean="0"/>
               <a:pPr/>
-              <a:t>12/18/2020</a:t>
+              <a:t>12/19/2020</a:t>
             </a:fld>
             <a:endParaRPr lang="en-US" dirty="0"/>
           </a:p>
@@ -2916,7 +2916,7 @@
             <a:fld id="{B61BEF0D-F0BB-DE4B-95CE-6DB70DBA9567}" type="datetimeFigureOut">
               <a:rPr lang="en-US" smtClean="0"/>
               <a:pPr/>
-              <a:t>12/18/2020</a:t>
+              <a:t>12/19/2020</a:t>
             </a:fld>
             <a:endParaRPr lang="en-US" dirty="0"/>
           </a:p>
@@ -3093,7 +3093,7 @@
             <a:fld id="{B61BEF0D-F0BB-DE4B-95CE-6DB70DBA9567}" type="datetimeFigureOut">
               <a:rPr lang="en-US" smtClean="0"/>
               <a:pPr/>
-              <a:t>12/18/2020</a:t>
+              <a:t>12/19/2020</a:t>
             </a:fld>
             <a:endParaRPr lang="en-US" dirty="0"/>
           </a:p>
@@ -3318,7 +3318,7 @@
             <a:fld id="{B61BEF0D-F0BB-DE4B-95CE-6DB70DBA9567}" type="datetimeFigureOut">
               <a:rPr lang="en-US" smtClean="0"/>
               <a:pPr/>
-              <a:t>12/18/2020</a:t>
+              <a:t>12/19/2020</a:t>
             </a:fld>
             <a:endParaRPr lang="en-US" dirty="0"/>
           </a:p>
@@ -3500,7 +3500,7 @@
             <a:fld id="{B61BEF0D-F0BB-DE4B-95CE-6DB70DBA9567}" type="datetimeFigureOut">
               <a:rPr lang="en-US" smtClean="0"/>
               <a:pPr/>
-              <a:t>12/18/2020</a:t>
+              <a:t>12/19/2020</a:t>
             </a:fld>
             <a:endParaRPr lang="en-US" dirty="0"/>
           </a:p>
@@ -3791,7 +3791,7 @@
             <a:fld id="{B61BEF0D-F0BB-DE4B-95CE-6DB70DBA9567}" type="datetimeFigureOut">
               <a:rPr lang="en-US" smtClean="0"/>
               <a:pPr/>
-              <a:t>12/18/2020</a:t>
+              <a:t>12/19/2020</a:t>
             </a:fld>
             <a:endParaRPr lang="en-US" dirty="0"/>
           </a:p>
@@ -4035,7 +4035,7 @@
             <a:fld id="{B61BEF0D-F0BB-DE4B-95CE-6DB70DBA9567}" type="datetimeFigureOut">
               <a:rPr lang="en-US" smtClean="0"/>
               <a:pPr/>
-              <a:t>12/18/2020</a:t>
+              <a:t>12/19/2020</a:t>
             </a:fld>
             <a:endParaRPr lang="en-US" dirty="0"/>
           </a:p>
@@ -4416,7 +4416,7 @@
             <a:fld id="{B61BEF0D-F0BB-DE4B-95CE-6DB70DBA9567}" type="datetimeFigureOut">
               <a:rPr lang="en-US" smtClean="0"/>
               <a:pPr/>
-              <a:t>12/18/2020</a:t>
+              <a:t>12/19/2020</a:t>
             </a:fld>
             <a:endParaRPr lang="en-US" dirty="0"/>
           </a:p>
@@ -4536,7 +4536,7 @@
             <a:fld id="{B61BEF0D-F0BB-DE4B-95CE-6DB70DBA9567}" type="datetimeFigureOut">
               <a:rPr lang="en-US" smtClean="0"/>
               <a:pPr/>
-              <a:t>12/18/2020</a:t>
+              <a:t>12/19/2020</a:t>
             </a:fld>
             <a:endParaRPr lang="en-US" dirty="0"/>
           </a:p>
@@ -4633,7 +4633,7 @@
             <a:fld id="{B61BEF0D-F0BB-DE4B-95CE-6DB70DBA9567}" type="datetimeFigureOut">
               <a:rPr lang="en-US" smtClean="0"/>
               <a:pPr/>
-              <a:t>12/18/2020</a:t>
+              <a:t>12/19/2020</a:t>
             </a:fld>
             <a:endParaRPr lang="en-US" dirty="0"/>
           </a:p>
@@ -4884,7 +4884,7 @@
             <a:fld id="{B61BEF0D-F0BB-DE4B-95CE-6DB70DBA9567}" type="datetimeFigureOut">
               <a:rPr lang="en-US" smtClean="0"/>
               <a:pPr/>
-              <a:t>12/18/2020</a:t>
+              <a:t>12/19/2020</a:t>
             </a:fld>
             <a:endParaRPr lang="en-US" dirty="0"/>
           </a:p>
@@ -5143,7 +5143,7 @@
             <a:fld id="{B61BEF0D-F0BB-DE4B-95CE-6DB70DBA9567}" type="datetimeFigureOut">
               <a:rPr lang="en-US" smtClean="0"/>
               <a:pPr/>
-              <a:t>12/18/2020</a:t>
+              <a:t>12/19/2020</a:t>
             </a:fld>
             <a:endParaRPr lang="en-US" dirty="0"/>
           </a:p>
@@ -5388,7 +5388,7 @@
             <a:fld id="{B61BEF0D-F0BB-DE4B-95CE-6DB70DBA9567}" type="datetimeFigureOut">
               <a:rPr lang="en-US" smtClean="0"/>
               <a:pPr/>
-              <a:t>12/18/2020</a:t>
+              <a:t>12/19/2020</a:t>
             </a:fld>
             <a:endParaRPr lang="en-US" dirty="0"/>
           </a:p>
@@ -5873,7 +5873,7 @@
             <a:fld id="{F7660503-DF43-4A7C-BF78-5148C24FF462}" type="datetime5">
               <a:rPr lang="zh-TW" altLang="en-US"/>
               <a:pPr/>
-              <a:t>2020年12月18日星期五</a:t>
+              <a:t>2020年12月19日星期六</a:t>
             </a:fld>
             <a:endParaRPr lang="en-US" altLang="zh-TW" dirty="0"/>
           </a:p>
@@ -6043,8 +6043,52 @@
           <a:p>
             <a:r>
               <a:rPr lang="zh-TW" altLang="en-US" dirty="0"/>
-              <a:t>登入成功後切換語言為繁體中文</a:t>
-            </a:r>
+              <a:t>登入成功後切換語言為繁體</a:t>
+            </a:r>
+            <a:r>
+              <a:rPr lang="zh-TW" altLang="en-US" dirty="0" smtClean="0"/>
+              <a:t>中文</a:t>
+            </a:r>
+            <a:endParaRPr lang="en-US" altLang="zh-TW" dirty="0" smtClean="0"/>
+          </a:p>
+          <a:p>
+            <a:endParaRPr lang="en-US" altLang="zh-TW" dirty="0"/>
+          </a:p>
+          <a:p>
+            <a:endParaRPr lang="en-US" altLang="zh-TW" dirty="0" smtClean="0"/>
+          </a:p>
+          <a:p>
+            <a:r>
+              <a:rPr lang="zh-TW" altLang="en-US" dirty="0"/>
+              <a:t>投影片下載</a:t>
+            </a:r>
+            <a:r>
+              <a:rPr lang="zh-TW" altLang="en-US" dirty="0" smtClean="0"/>
+              <a:t>：</a:t>
+            </a:r>
+            <a:endParaRPr lang="en-US" altLang="zh-TW" dirty="0" smtClean="0"/>
+          </a:p>
+          <a:p>
+            <a:pPr lvl="1"/>
+            <a:r>
+              <a:rPr lang="en-US" altLang="zh-TW" dirty="0">
+                <a:hlinkClick r:id="rId2"/>
+              </a:rPr>
+              <a:t>https</a:t>
+            </a:r>
+            <a:r>
+              <a:rPr lang="en-US" altLang="zh-TW">
+                <a:hlinkClick r:id="rId2"/>
+              </a:rPr>
+              <a:t>://</a:t>
+            </a:r>
+            <a:r>
+              <a:rPr lang="en-US" altLang="zh-TW" smtClean="0">
+                <a:hlinkClick r:id="rId2"/>
+              </a:rPr>
+              <a:t>tinyurl.com/y9dzamyf</a:t>
+            </a:r>
+            <a:endParaRPr lang="en-US" altLang="zh-TW" smtClean="0"/>
           </a:p>
         </p:txBody>
       </p:sp>
